--- a/pictures/picture.pptx
+++ b/pictures/picture.pptx
@@ -8,6 +8,8 @@
     <p:sldId id="256" r:id="rId2"/>
     <p:sldId id="257" r:id="rId3"/>
     <p:sldId id="258" r:id="rId4"/>
+    <p:sldId id="259" r:id="rId5"/>
+    <p:sldId id="260" r:id="rId6"/>
   </p:sldIdLst>
   <p:sldSz cx="12192000" cy="6858000"/>
   <p:notesSz cx="6858000" cy="9144000"/>
@@ -261,7 +263,7 @@
           <a:p>
             <a:fld id="{4E71ABAF-A0FA-4C75-B3C2-286C887C1AAA}" type="datetimeFigureOut">
               <a:rPr lang="zh-CN" altLang="en-US" smtClean="0"/>
-              <a:t>2025/1/22</a:t>
+              <a:t>2025/2/16</a:t>
             </a:fld>
             <a:endParaRPr lang="zh-CN" altLang="en-US"/>
           </a:p>
@@ -459,7 +461,7 @@
           <a:p>
             <a:fld id="{4E71ABAF-A0FA-4C75-B3C2-286C887C1AAA}" type="datetimeFigureOut">
               <a:rPr lang="zh-CN" altLang="en-US" smtClean="0"/>
-              <a:t>2025/1/22</a:t>
+              <a:t>2025/2/16</a:t>
             </a:fld>
             <a:endParaRPr lang="zh-CN" altLang="en-US"/>
           </a:p>
@@ -667,7 +669,7 @@
           <a:p>
             <a:fld id="{4E71ABAF-A0FA-4C75-B3C2-286C887C1AAA}" type="datetimeFigureOut">
               <a:rPr lang="zh-CN" altLang="en-US" smtClean="0"/>
-              <a:t>2025/1/22</a:t>
+              <a:t>2025/2/16</a:t>
             </a:fld>
             <a:endParaRPr lang="zh-CN" altLang="en-US"/>
           </a:p>
@@ -865,7 +867,7 @@
           <a:p>
             <a:fld id="{4E71ABAF-A0FA-4C75-B3C2-286C887C1AAA}" type="datetimeFigureOut">
               <a:rPr lang="zh-CN" altLang="en-US" smtClean="0"/>
-              <a:t>2025/1/22</a:t>
+              <a:t>2025/2/16</a:t>
             </a:fld>
             <a:endParaRPr lang="zh-CN" altLang="en-US"/>
           </a:p>
@@ -1140,7 +1142,7 @@
           <a:p>
             <a:fld id="{4E71ABAF-A0FA-4C75-B3C2-286C887C1AAA}" type="datetimeFigureOut">
               <a:rPr lang="zh-CN" altLang="en-US" smtClean="0"/>
-              <a:t>2025/1/22</a:t>
+              <a:t>2025/2/16</a:t>
             </a:fld>
             <a:endParaRPr lang="zh-CN" altLang="en-US"/>
           </a:p>
@@ -1405,7 +1407,7 @@
           <a:p>
             <a:fld id="{4E71ABAF-A0FA-4C75-B3C2-286C887C1AAA}" type="datetimeFigureOut">
               <a:rPr lang="zh-CN" altLang="en-US" smtClean="0"/>
-              <a:t>2025/1/22</a:t>
+              <a:t>2025/2/16</a:t>
             </a:fld>
             <a:endParaRPr lang="zh-CN" altLang="en-US"/>
           </a:p>
@@ -1817,7 +1819,7 @@
           <a:p>
             <a:fld id="{4E71ABAF-A0FA-4C75-B3C2-286C887C1AAA}" type="datetimeFigureOut">
               <a:rPr lang="zh-CN" altLang="en-US" smtClean="0"/>
-              <a:t>2025/1/22</a:t>
+              <a:t>2025/2/16</a:t>
             </a:fld>
             <a:endParaRPr lang="zh-CN" altLang="en-US"/>
           </a:p>
@@ -1958,7 +1960,7 @@
           <a:p>
             <a:fld id="{4E71ABAF-A0FA-4C75-B3C2-286C887C1AAA}" type="datetimeFigureOut">
               <a:rPr lang="zh-CN" altLang="en-US" smtClean="0"/>
-              <a:t>2025/1/22</a:t>
+              <a:t>2025/2/16</a:t>
             </a:fld>
             <a:endParaRPr lang="zh-CN" altLang="en-US"/>
           </a:p>
@@ -2071,7 +2073,7 @@
           <a:p>
             <a:fld id="{4E71ABAF-A0FA-4C75-B3C2-286C887C1AAA}" type="datetimeFigureOut">
               <a:rPr lang="zh-CN" altLang="en-US" smtClean="0"/>
-              <a:t>2025/1/22</a:t>
+              <a:t>2025/2/16</a:t>
             </a:fld>
             <a:endParaRPr lang="zh-CN" altLang="en-US"/>
           </a:p>
@@ -2382,7 +2384,7 @@
           <a:p>
             <a:fld id="{4E71ABAF-A0FA-4C75-B3C2-286C887C1AAA}" type="datetimeFigureOut">
               <a:rPr lang="zh-CN" altLang="en-US" smtClean="0"/>
-              <a:t>2025/1/22</a:t>
+              <a:t>2025/2/16</a:t>
             </a:fld>
             <a:endParaRPr lang="zh-CN" altLang="en-US"/>
           </a:p>
@@ -2670,7 +2672,7 @@
           <a:p>
             <a:fld id="{4E71ABAF-A0FA-4C75-B3C2-286C887C1AAA}" type="datetimeFigureOut">
               <a:rPr lang="zh-CN" altLang="en-US" smtClean="0"/>
-              <a:t>2025/1/22</a:t>
+              <a:t>2025/2/16</a:t>
             </a:fld>
             <a:endParaRPr lang="zh-CN" altLang="en-US"/>
           </a:p>
@@ -2911,7 +2913,7 @@
           <a:p>
             <a:fld id="{4E71ABAF-A0FA-4C75-B3C2-286C887C1AAA}" type="datetimeFigureOut">
               <a:rPr lang="zh-CN" altLang="en-US" smtClean="0"/>
-              <a:t>2025/1/22</a:t>
+              <a:t>2025/2/16</a:t>
             </a:fld>
             <a:endParaRPr lang="zh-CN" altLang="en-US"/>
           </a:p>
@@ -5702,6 +5704,704 @@
 </p:sld>
 </file>
 
+<file path=ppt/slides/slide4.xml><?xml version="1.0" encoding="utf-8"?>
+<p:sld xmlns:a="http://schemas.openxmlformats.org/drawingml/2006/main" xmlns:r="http://schemas.openxmlformats.org/officeDocument/2006/relationships" xmlns:p="http://schemas.openxmlformats.org/presentationml/2006/main">
+  <p:cSld>
+    <p:spTree>
+      <p:nvGrpSpPr>
+        <p:cNvPr id="1" name=""/>
+        <p:cNvGrpSpPr/>
+        <p:nvPr/>
+      </p:nvGrpSpPr>
+      <p:grpSpPr>
+        <a:xfrm>
+          <a:off x="0" y="0"/>
+          <a:ext cx="0" cy="0"/>
+          <a:chOff x="0" y="0"/>
+          <a:chExt cx="0" cy="0"/>
+        </a:xfrm>
+      </p:grpSpPr>
+      <p:sp>
+        <p:nvSpPr>
+          <p:cNvPr id="4" name="等腰三角形 3">
+            <a:extLst>
+              <a:ext uri="{FF2B5EF4-FFF2-40B4-BE49-F238E27FC236}">
+                <a16:creationId xmlns:a16="http://schemas.microsoft.com/office/drawing/2014/main" id="{BBBDE00A-9FA0-D64A-16E3-9B0CAD921879}"/>
+              </a:ext>
+            </a:extLst>
+          </p:cNvPr>
+          <p:cNvSpPr/>
+          <p:nvPr/>
+        </p:nvSpPr>
+        <p:spPr>
+          <a:xfrm>
+            <a:off x="5556000" y="1536639"/>
+            <a:ext cx="1080000" cy="1080000"/>
+          </a:xfrm>
+          <a:prstGeom prst="triangle">
+            <a:avLst/>
+          </a:prstGeom>
+        </p:spPr>
+        <p:style>
+          <a:lnRef idx="2">
+            <a:schemeClr val="accent1">
+              <a:shade val="15000"/>
+            </a:schemeClr>
+          </a:lnRef>
+          <a:fillRef idx="1">
+            <a:schemeClr val="accent1"/>
+          </a:fillRef>
+          <a:effectRef idx="0">
+            <a:schemeClr val="accent1"/>
+          </a:effectRef>
+          <a:fontRef idx="minor">
+            <a:schemeClr val="lt1"/>
+          </a:fontRef>
+        </p:style>
+        <p:txBody>
+          <a:bodyPr rtlCol="0" anchor="ctr"/>
+          <a:lstStyle/>
+          <a:p>
+            <a:pPr algn="ctr"/>
+            <a:endParaRPr lang="zh-CN" altLang="en-US"/>
+          </a:p>
+        </p:txBody>
+      </p:sp>
+      <p:sp>
+        <p:nvSpPr>
+          <p:cNvPr id="5" name="梯形 4">
+            <a:extLst>
+              <a:ext uri="{FF2B5EF4-FFF2-40B4-BE49-F238E27FC236}">
+                <a16:creationId xmlns:a16="http://schemas.microsoft.com/office/drawing/2014/main" id="{9C8401E2-342F-205B-E03E-E6B338EBB19D}"/>
+              </a:ext>
+            </a:extLst>
+          </p:cNvPr>
+          <p:cNvSpPr/>
+          <p:nvPr/>
+        </p:nvSpPr>
+        <p:spPr>
+          <a:xfrm>
+            <a:off x="5016000" y="2616639"/>
+            <a:ext cx="2160000" cy="1080000"/>
+          </a:xfrm>
+          <a:prstGeom prst="trapezoid">
+            <a:avLst>
+              <a:gd name="adj" fmla="val 49988"/>
+            </a:avLst>
+          </a:prstGeom>
+        </p:spPr>
+        <p:style>
+          <a:lnRef idx="2">
+            <a:schemeClr val="accent1">
+              <a:shade val="15000"/>
+            </a:schemeClr>
+          </a:lnRef>
+          <a:fillRef idx="1">
+            <a:schemeClr val="accent1"/>
+          </a:fillRef>
+          <a:effectRef idx="0">
+            <a:schemeClr val="accent1"/>
+          </a:effectRef>
+          <a:fontRef idx="minor">
+            <a:schemeClr val="lt1"/>
+          </a:fontRef>
+        </p:style>
+        <p:txBody>
+          <a:bodyPr rtlCol="0" anchor="ctr"/>
+          <a:lstStyle/>
+          <a:p>
+            <a:pPr algn="ctr"/>
+            <a:endParaRPr lang="zh-CN" altLang="en-US"/>
+          </a:p>
+        </p:txBody>
+      </p:sp>
+      <p:sp>
+        <p:nvSpPr>
+          <p:cNvPr id="6" name="等腰三角形 5">
+            <a:extLst>
+              <a:ext uri="{FF2B5EF4-FFF2-40B4-BE49-F238E27FC236}">
+                <a16:creationId xmlns:a16="http://schemas.microsoft.com/office/drawing/2014/main" id="{A5F01F81-0D45-BBCD-8B1A-809FBFA47CAE}"/>
+              </a:ext>
+            </a:extLst>
+          </p:cNvPr>
+          <p:cNvSpPr/>
+          <p:nvPr/>
+        </p:nvSpPr>
+        <p:spPr>
+          <a:xfrm>
+            <a:off x="4476000" y="1536639"/>
+            <a:ext cx="3240000" cy="3240000"/>
+          </a:xfrm>
+          <a:prstGeom prst="triangle">
+            <a:avLst/>
+          </a:prstGeom>
+          <a:noFill/>
+        </p:spPr>
+        <p:style>
+          <a:lnRef idx="2">
+            <a:schemeClr val="accent1">
+              <a:shade val="15000"/>
+            </a:schemeClr>
+          </a:lnRef>
+          <a:fillRef idx="1">
+            <a:schemeClr val="accent1"/>
+          </a:fillRef>
+          <a:effectRef idx="0">
+            <a:schemeClr val="accent1"/>
+          </a:effectRef>
+          <a:fontRef idx="minor">
+            <a:schemeClr val="lt1"/>
+          </a:fontRef>
+        </p:style>
+        <p:txBody>
+          <a:bodyPr rtlCol="0" anchor="ctr"/>
+          <a:lstStyle/>
+          <a:p>
+            <a:pPr algn="ctr"/>
+            <a:endParaRPr lang="zh-CN" altLang="en-US"/>
+          </a:p>
+        </p:txBody>
+      </p:sp>
+      <p:sp>
+        <p:nvSpPr>
+          <p:cNvPr id="7" name="梯形 6">
+            <a:extLst>
+              <a:ext uri="{FF2B5EF4-FFF2-40B4-BE49-F238E27FC236}">
+                <a16:creationId xmlns:a16="http://schemas.microsoft.com/office/drawing/2014/main" id="{3696D60F-895C-FDFF-5858-AC9A5F8EB9D0}"/>
+              </a:ext>
+            </a:extLst>
+          </p:cNvPr>
+          <p:cNvSpPr/>
+          <p:nvPr/>
+        </p:nvSpPr>
+        <p:spPr>
+          <a:xfrm>
+            <a:off x="4476000" y="3696639"/>
+            <a:ext cx="3240000" cy="1080000"/>
+          </a:xfrm>
+          <a:prstGeom prst="trapezoid">
+            <a:avLst>
+              <a:gd name="adj" fmla="val 49988"/>
+            </a:avLst>
+          </a:prstGeom>
+        </p:spPr>
+        <p:style>
+          <a:lnRef idx="2">
+            <a:schemeClr val="accent1">
+              <a:shade val="15000"/>
+            </a:schemeClr>
+          </a:lnRef>
+          <a:fillRef idx="1">
+            <a:schemeClr val="accent1"/>
+          </a:fillRef>
+          <a:effectRef idx="0">
+            <a:schemeClr val="accent1"/>
+          </a:effectRef>
+          <a:fontRef idx="minor">
+            <a:schemeClr val="lt1"/>
+          </a:fontRef>
+        </p:style>
+        <p:txBody>
+          <a:bodyPr rtlCol="0" anchor="ctr"/>
+          <a:lstStyle/>
+          <a:p>
+            <a:pPr algn="ctr"/>
+            <a:endParaRPr lang="zh-CN" altLang="en-US"/>
+          </a:p>
+        </p:txBody>
+      </p:sp>
+    </p:spTree>
+    <p:extLst>
+      <p:ext uri="{BB962C8B-B14F-4D97-AF65-F5344CB8AC3E}">
+        <p14:creationId xmlns:p14="http://schemas.microsoft.com/office/powerpoint/2010/main" val="2181954654"/>
+      </p:ext>
+    </p:extLst>
+  </p:cSld>
+  <p:clrMapOvr>
+    <a:masterClrMapping/>
+  </p:clrMapOvr>
+</p:sld>
+</file>
+
+<file path=ppt/slides/slide5.xml><?xml version="1.0" encoding="utf-8"?>
+<p:sld xmlns:a="http://schemas.openxmlformats.org/drawingml/2006/main" xmlns:r="http://schemas.openxmlformats.org/officeDocument/2006/relationships" xmlns:p="http://schemas.openxmlformats.org/presentationml/2006/main">
+  <p:cSld>
+    <p:spTree>
+      <p:nvGrpSpPr>
+        <p:cNvPr id="1" name="">
+          <a:extLst>
+            <a:ext uri="{FF2B5EF4-FFF2-40B4-BE49-F238E27FC236}">
+              <a16:creationId xmlns:a16="http://schemas.microsoft.com/office/drawing/2014/main" id="{5B719BD2-6625-5AE0-44D5-F1B8DBC15920}"/>
+            </a:ext>
+          </a:extLst>
+        </p:cNvPr>
+        <p:cNvGrpSpPr/>
+        <p:nvPr/>
+      </p:nvGrpSpPr>
+      <p:grpSpPr>
+        <a:xfrm>
+          <a:off x="0" y="0"/>
+          <a:ext cx="0" cy="0"/>
+          <a:chOff x="0" y="0"/>
+          <a:chExt cx="0" cy="0"/>
+        </a:xfrm>
+      </p:grpSpPr>
+      <p:grpSp>
+        <p:nvGrpSpPr>
+          <p:cNvPr id="14" name="组合 13">
+            <a:extLst>
+              <a:ext uri="{FF2B5EF4-FFF2-40B4-BE49-F238E27FC236}">
+                <a16:creationId xmlns:a16="http://schemas.microsoft.com/office/drawing/2014/main" id="{67733100-4516-1E8F-5DDE-7528CB8D810C}"/>
+              </a:ext>
+            </a:extLst>
+          </p:cNvPr>
+          <p:cNvGrpSpPr/>
+          <p:nvPr/>
+        </p:nvGrpSpPr>
+        <p:grpSpPr>
+          <a:xfrm>
+            <a:off x="2764692" y="614430"/>
+            <a:ext cx="6662615" cy="4232549"/>
+            <a:chOff x="2764692" y="614430"/>
+            <a:chExt cx="6662615" cy="4232549"/>
+          </a:xfrm>
+        </p:grpSpPr>
+        <p:cxnSp>
+          <p:nvCxnSpPr>
+            <p:cNvPr id="10" name="直接连接符 9">
+              <a:extLst>
+                <a:ext uri="{FF2B5EF4-FFF2-40B4-BE49-F238E27FC236}">
+                  <a16:creationId xmlns:a16="http://schemas.microsoft.com/office/drawing/2014/main" id="{86CF6B27-5496-DD68-16AE-A939FF52C3AB}"/>
+                </a:ext>
+              </a:extLst>
+            </p:cNvPr>
+            <p:cNvCxnSpPr>
+              <a:cxnSpLocks/>
+            </p:cNvCxnSpPr>
+            <p:nvPr/>
+          </p:nvCxnSpPr>
+          <p:spPr>
+            <a:xfrm>
+              <a:off x="2764692" y="4349262"/>
+              <a:ext cx="6662615" cy="0"/>
+            </a:xfrm>
+            <a:prstGeom prst="line">
+              <a:avLst/>
+            </a:prstGeom>
+            <a:ln w="50800">
+              <a:solidFill>
+                <a:srgbClr val="8B0000"/>
+              </a:solidFill>
+            </a:ln>
+          </p:spPr>
+          <p:style>
+            <a:lnRef idx="1">
+              <a:schemeClr val="accent1"/>
+            </a:lnRef>
+            <a:fillRef idx="0">
+              <a:schemeClr val="accent1"/>
+            </a:fillRef>
+            <a:effectRef idx="0">
+              <a:schemeClr val="accent1"/>
+            </a:effectRef>
+            <a:fontRef idx="minor">
+              <a:schemeClr val="tx1"/>
+            </a:fontRef>
+          </p:style>
+        </p:cxnSp>
+        <p:sp>
+          <p:nvSpPr>
+            <p:cNvPr id="4" name="等腰三角形 3">
+              <a:extLst>
+                <a:ext uri="{FF2B5EF4-FFF2-40B4-BE49-F238E27FC236}">
+                  <a16:creationId xmlns:a16="http://schemas.microsoft.com/office/drawing/2014/main" id="{AB01147E-A04A-DBEC-5955-B1B909429AAE}"/>
+                </a:ext>
+              </a:extLst>
+            </p:cNvPr>
+            <p:cNvSpPr/>
+            <p:nvPr/>
+          </p:nvSpPr>
+          <p:spPr>
+            <a:xfrm>
+              <a:off x="5556000" y="1466299"/>
+              <a:ext cx="1080000" cy="1080000"/>
+            </a:xfrm>
+            <a:prstGeom prst="triangle">
+              <a:avLst/>
+            </a:prstGeom>
+            <a:solidFill>
+              <a:srgbClr val="FF4C4C"/>
+            </a:solidFill>
+            <a:ln>
+              <a:noFill/>
+            </a:ln>
+          </p:spPr>
+          <p:style>
+            <a:lnRef idx="2">
+              <a:schemeClr val="accent1">
+                <a:shade val="15000"/>
+              </a:schemeClr>
+            </a:lnRef>
+            <a:fillRef idx="1">
+              <a:schemeClr val="accent1"/>
+            </a:fillRef>
+            <a:effectRef idx="0">
+              <a:schemeClr val="accent1"/>
+            </a:effectRef>
+            <a:fontRef idx="minor">
+              <a:schemeClr val="lt1"/>
+            </a:fontRef>
+          </p:style>
+          <p:txBody>
+            <a:bodyPr rtlCol="0" anchor="ctr"/>
+            <a:lstStyle/>
+            <a:p>
+              <a:pPr algn="ctr"/>
+              <a:r>
+                <a:rPr lang="en-US" altLang="zh-CN" sz="2400"/>
+                <a:t>1</a:t>
+              </a:r>
+              <a:endParaRPr lang="zh-CN" altLang="en-US" sz="2400"/>
+            </a:p>
+          </p:txBody>
+        </p:sp>
+        <p:sp>
+          <p:nvSpPr>
+            <p:cNvPr id="5" name="梯形 4">
+              <a:extLst>
+                <a:ext uri="{FF2B5EF4-FFF2-40B4-BE49-F238E27FC236}">
+                  <a16:creationId xmlns:a16="http://schemas.microsoft.com/office/drawing/2014/main" id="{174BED6A-CE69-12C3-573E-8CCFBCFD6307}"/>
+                </a:ext>
+              </a:extLst>
+            </p:cNvPr>
+            <p:cNvSpPr/>
+            <p:nvPr/>
+          </p:nvSpPr>
+          <p:spPr>
+            <a:xfrm>
+              <a:off x="5016000" y="2616639"/>
+              <a:ext cx="2160000" cy="1080000"/>
+            </a:xfrm>
+            <a:prstGeom prst="trapezoid">
+              <a:avLst>
+                <a:gd name="adj" fmla="val 49988"/>
+              </a:avLst>
+            </a:prstGeom>
+            <a:solidFill>
+              <a:srgbClr val="B22222"/>
+            </a:solidFill>
+            <a:ln>
+              <a:noFill/>
+            </a:ln>
+          </p:spPr>
+          <p:style>
+            <a:lnRef idx="2">
+              <a:schemeClr val="accent1">
+                <a:shade val="15000"/>
+              </a:schemeClr>
+            </a:lnRef>
+            <a:fillRef idx="1">
+              <a:schemeClr val="accent1"/>
+            </a:fillRef>
+            <a:effectRef idx="0">
+              <a:schemeClr val="accent1"/>
+            </a:effectRef>
+            <a:fontRef idx="minor">
+              <a:schemeClr val="lt1"/>
+            </a:fontRef>
+          </p:style>
+          <p:txBody>
+            <a:bodyPr rtlCol="0" anchor="ctr"/>
+            <a:lstStyle/>
+            <a:p>
+              <a:pPr algn="ctr"/>
+              <a:r>
+                <a:rPr lang="en-US" altLang="zh-CN" sz="2400"/>
+                <a:t>2</a:t>
+              </a:r>
+              <a:endParaRPr lang="zh-CN" altLang="en-US" sz="2400"/>
+            </a:p>
+          </p:txBody>
+        </p:sp>
+        <p:sp>
+          <p:nvSpPr>
+            <p:cNvPr id="7" name="梯形 6">
+              <a:extLst>
+                <a:ext uri="{FF2B5EF4-FFF2-40B4-BE49-F238E27FC236}">
+                  <a16:creationId xmlns:a16="http://schemas.microsoft.com/office/drawing/2014/main" id="{0A9AACFA-2E88-EC5B-0A37-AA17B3F35721}"/>
+                </a:ext>
+              </a:extLst>
+            </p:cNvPr>
+            <p:cNvSpPr/>
+            <p:nvPr/>
+          </p:nvSpPr>
+          <p:spPr>
+            <a:xfrm>
+              <a:off x="4476000" y="3766979"/>
+              <a:ext cx="3240000" cy="1080000"/>
+            </a:xfrm>
+            <a:prstGeom prst="trapezoid">
+              <a:avLst>
+                <a:gd name="adj" fmla="val 49988"/>
+              </a:avLst>
+            </a:prstGeom>
+            <a:solidFill>
+              <a:srgbClr val="8B0000"/>
+            </a:solidFill>
+            <a:ln>
+              <a:noFill/>
+            </a:ln>
+          </p:spPr>
+          <p:style>
+            <a:lnRef idx="2">
+              <a:schemeClr val="accent1">
+                <a:shade val="15000"/>
+              </a:schemeClr>
+            </a:lnRef>
+            <a:fillRef idx="1">
+              <a:schemeClr val="accent1"/>
+            </a:fillRef>
+            <a:effectRef idx="0">
+              <a:schemeClr val="accent1"/>
+            </a:effectRef>
+            <a:fontRef idx="minor">
+              <a:schemeClr val="lt1"/>
+            </a:fontRef>
+          </p:style>
+          <p:txBody>
+            <a:bodyPr rtlCol="0" anchor="ctr"/>
+            <a:lstStyle/>
+            <a:p>
+              <a:pPr algn="ctr"/>
+              <a:r>
+                <a:rPr lang="en-US" altLang="zh-CN" sz="2400"/>
+                <a:t>4</a:t>
+              </a:r>
+              <a:endParaRPr lang="zh-CN" altLang="en-US" sz="2400"/>
+            </a:p>
+          </p:txBody>
+        </p:sp>
+        <p:cxnSp>
+          <p:nvCxnSpPr>
+            <p:cNvPr id="3" name="直接连接符 2">
+              <a:extLst>
+                <a:ext uri="{FF2B5EF4-FFF2-40B4-BE49-F238E27FC236}">
+                  <a16:creationId xmlns:a16="http://schemas.microsoft.com/office/drawing/2014/main" id="{6B8AE314-5160-2AAD-8F30-DFEA433B1DD1}"/>
+                </a:ext>
+              </a:extLst>
+            </p:cNvPr>
+            <p:cNvCxnSpPr>
+              <a:cxnSpLocks/>
+            </p:cNvCxnSpPr>
+            <p:nvPr/>
+          </p:nvCxnSpPr>
+          <p:spPr>
+            <a:xfrm>
+              <a:off x="2764692" y="983762"/>
+              <a:ext cx="6662615" cy="0"/>
+            </a:xfrm>
+            <a:prstGeom prst="line">
+              <a:avLst/>
+            </a:prstGeom>
+            <a:ln w="50800">
+              <a:solidFill>
+                <a:srgbClr val="00B050"/>
+              </a:solidFill>
+            </a:ln>
+          </p:spPr>
+          <p:style>
+            <a:lnRef idx="1">
+              <a:schemeClr val="accent1"/>
+            </a:lnRef>
+            <a:fillRef idx="0">
+              <a:schemeClr val="accent1"/>
+            </a:fillRef>
+            <a:effectRef idx="0">
+              <a:schemeClr val="accent1"/>
+            </a:effectRef>
+            <a:fontRef idx="minor">
+              <a:schemeClr val="tx1"/>
+            </a:fontRef>
+          </p:style>
+        </p:cxnSp>
+        <p:sp>
+          <p:nvSpPr>
+            <p:cNvPr id="11" name="文本框 10">
+              <a:extLst>
+                <a:ext uri="{FF2B5EF4-FFF2-40B4-BE49-F238E27FC236}">
+                  <a16:creationId xmlns:a16="http://schemas.microsoft.com/office/drawing/2014/main" id="{9A5F50F1-EABE-FFA1-4D38-1BCD11A47197}"/>
+                </a:ext>
+              </a:extLst>
+            </p:cNvPr>
+            <p:cNvSpPr txBox="1"/>
+            <p:nvPr/>
+          </p:nvSpPr>
+          <p:spPr>
+            <a:xfrm>
+              <a:off x="2764692" y="614430"/>
+              <a:ext cx="1107996" cy="369332"/>
+            </a:xfrm>
+            <a:prstGeom prst="rect">
+              <a:avLst/>
+            </a:prstGeom>
+            <a:noFill/>
+          </p:spPr>
+          <p:txBody>
+            <a:bodyPr wrap="none" rtlCol="0">
+              <a:spAutoFit/>
+            </a:bodyPr>
+            <a:lstStyle/>
+            <a:p>
+              <a:r>
+                <a:rPr lang="zh-CN" altLang="en-US" b="1">
+                  <a:latin typeface="等线" panose="02010600030101010101" pitchFamily="2" charset="-122"/>
+                  <a:ea typeface="等线" panose="02010600030101010101" pitchFamily="2" charset="-122"/>
+                </a:rPr>
+                <a:t>合理估值</a:t>
+              </a:r>
+            </a:p>
+          </p:txBody>
+        </p:sp>
+        <p:sp>
+          <p:nvSpPr>
+            <p:cNvPr id="12" name="文本框 11">
+              <a:extLst>
+                <a:ext uri="{FF2B5EF4-FFF2-40B4-BE49-F238E27FC236}">
+                  <a16:creationId xmlns:a16="http://schemas.microsoft.com/office/drawing/2014/main" id="{7EDDA075-E835-C455-2B71-587093CC3980}"/>
+                </a:ext>
+              </a:extLst>
+            </p:cNvPr>
+            <p:cNvSpPr txBox="1"/>
+            <p:nvPr/>
+          </p:nvSpPr>
+          <p:spPr>
+            <a:xfrm>
+              <a:off x="2764692" y="3979929"/>
+              <a:ext cx="646331" cy="369332"/>
+            </a:xfrm>
+            <a:prstGeom prst="rect">
+              <a:avLst/>
+            </a:prstGeom>
+            <a:noFill/>
+          </p:spPr>
+          <p:txBody>
+            <a:bodyPr wrap="none" rtlCol="0">
+              <a:spAutoFit/>
+            </a:bodyPr>
+            <a:lstStyle/>
+            <a:p>
+              <a:r>
+                <a:rPr lang="zh-CN" altLang="en-US" b="1">
+                  <a:latin typeface="等线" panose="02010600030101010101" pitchFamily="2" charset="-122"/>
+                  <a:ea typeface="等线" panose="02010600030101010101" pitchFamily="2" charset="-122"/>
+                </a:rPr>
+                <a:t>底部</a:t>
+              </a:r>
+            </a:p>
+          </p:txBody>
+        </p:sp>
+        <p:sp>
+          <p:nvSpPr>
+            <p:cNvPr id="13" name="文本框 12">
+              <a:extLst>
+                <a:ext uri="{FF2B5EF4-FFF2-40B4-BE49-F238E27FC236}">
+                  <a16:creationId xmlns:a16="http://schemas.microsoft.com/office/drawing/2014/main" id="{B8C191AF-90EA-4D9C-D86B-25759E6FA76B}"/>
+                </a:ext>
+              </a:extLst>
+            </p:cNvPr>
+            <p:cNvSpPr txBox="1"/>
+            <p:nvPr/>
+          </p:nvSpPr>
+          <p:spPr>
+            <a:xfrm>
+              <a:off x="2764692" y="1430868"/>
+              <a:ext cx="2954655" cy="369332"/>
+            </a:xfrm>
+            <a:prstGeom prst="rect">
+              <a:avLst/>
+            </a:prstGeom>
+            <a:noFill/>
+          </p:spPr>
+          <p:txBody>
+            <a:bodyPr wrap="none" rtlCol="0">
+              <a:spAutoFit/>
+            </a:bodyPr>
+            <a:lstStyle/>
+            <a:p>
+              <a:r>
+                <a:rPr lang="zh-CN" altLang="en-US" b="1">
+                  <a:latin typeface="等线" panose="02010600030101010101" pitchFamily="2" charset="-122"/>
+                  <a:ea typeface="等线" panose="02010600030101010101" pitchFamily="2" charset="-122"/>
+                </a:rPr>
+                <a:t>下跌时分批建仓、增量买进</a:t>
+              </a:r>
+            </a:p>
+          </p:txBody>
+        </p:sp>
+      </p:grpSp>
+      <p:cxnSp>
+        <p:nvCxnSpPr>
+          <p:cNvPr id="16" name="直接箭头连接符 15">
+            <a:extLst>
+              <a:ext uri="{FF2B5EF4-FFF2-40B4-BE49-F238E27FC236}">
+                <a16:creationId xmlns:a16="http://schemas.microsoft.com/office/drawing/2014/main" id="{D6724D88-878E-0E04-4CCE-3A7C9E059378}"/>
+              </a:ext>
+            </a:extLst>
+          </p:cNvPr>
+          <p:cNvCxnSpPr/>
+          <p:nvPr/>
+        </p:nvCxnSpPr>
+        <p:spPr>
+          <a:xfrm>
+            <a:off x="3073343" y="1995497"/>
+            <a:ext cx="0" cy="1901371"/>
+          </a:xfrm>
+          <a:prstGeom prst="straightConnector1">
+            <a:avLst/>
+          </a:prstGeom>
+          <a:ln w="50800">
+            <a:gradFill>
+              <a:gsLst>
+                <a:gs pos="0">
+                  <a:srgbClr val="FF4C4C"/>
+                </a:gs>
+                <a:gs pos="100000">
+                  <a:srgbClr val="8B0000"/>
+                </a:gs>
+              </a:gsLst>
+              <a:lin ang="5400000" scaled="1"/>
+            </a:gradFill>
+            <a:tailEnd type="triangle"/>
+          </a:ln>
+        </p:spPr>
+        <p:style>
+          <a:lnRef idx="1">
+            <a:schemeClr val="accent1"/>
+          </a:lnRef>
+          <a:fillRef idx="0">
+            <a:schemeClr val="accent1"/>
+          </a:fillRef>
+          <a:effectRef idx="0">
+            <a:schemeClr val="accent1"/>
+          </a:effectRef>
+          <a:fontRef idx="minor">
+            <a:schemeClr val="tx1"/>
+          </a:fontRef>
+        </p:style>
+      </p:cxnSp>
+    </p:spTree>
+    <p:extLst>
+      <p:ext uri="{BB962C8B-B14F-4D97-AF65-F5344CB8AC3E}">
+        <p14:creationId xmlns:p14="http://schemas.microsoft.com/office/powerpoint/2010/main" val="2752060354"/>
+      </p:ext>
+    </p:extLst>
+  </p:cSld>
+  <p:clrMapOvr>
+    <a:masterClrMapping/>
+  </p:clrMapOvr>
+</p:sld>
+</file>
+
 <file path=ppt/theme/theme1.xml><?xml version="1.0" encoding="utf-8"?>
 <a:theme xmlns:a="http://schemas.openxmlformats.org/drawingml/2006/main" name="Office 主题​​">
   <a:themeElements>
